--- a/10|2-6/2023-10-5/kanji-todaysTest.pptx
+++ b/10|2-6/2023-10-5/kanji-todaysTest.pptx
@@ -24,9 +24,13 @@
     <p:sldId id="272" r:id="rId18"/>
     <p:sldId id="273" r:id="rId19"/>
     <p:sldId id="274" r:id="rId20"/>
+    <p:sldId id="275" r:id="rId21"/>
+    <p:sldId id="276" r:id="rId22"/>
+    <p:sldId id="277" r:id="rId23"/>
+    <p:sldId id="278" r:id="rId24"/>
   </p:sldIdLst>
   <p:notesMasterIdLst>
-    <p:notesMasterId r:id="rId21"/>
+    <p:notesMasterId r:id="rId25"/>
   </p:notesMasterIdLst>
   <p:sldSz cx="9144000" cy="5143500"/>
   <p:notesSz cx="5143500" cy="9144000"/>
@@ -1512,6 +1516,358 @@
             <a:fld id="{F7021451-1387-4CA6-816F-3879F97B5CBC}" type="slidenum">
               <a:rPr lang="en-US"/>
               <a:t>2</a:t>
+            </a:fld>
+            <a:endParaRPr lang="en-US"/>
+          </a:p>
+        </p:txBody>
+      </p:sp>
+    </p:spTree>
+    <p:extLst>
+      <p:ext uri="{BB962C8B-B14F-4D97-AF65-F5344CB8AC3E}">
+        <p14:creationId xmlns:p14="http://schemas.microsoft.com/office/powerpoint/2010/main" val="1024086991"/>
+      </p:ext>
+    </p:extLst>
+  </p:cSld>
+  <p:clrMapOvr>
+    <a:masterClrMapping/>
+  </p:clrMapOvr>
+</p:notes>
+</file>
+
+<file path=ppt/notesSlides/notesSlide20.xml><?xml version="1.0" encoding="utf-8"?>
+<p:notes xmlns:a="http://schemas.openxmlformats.org/drawingml/2006/main" xmlns:r="http://schemas.openxmlformats.org/officeDocument/2006/relationships" xmlns:p="http://schemas.openxmlformats.org/presentationml/2006/main">
+  <p:cSld>
+    <p:spTree>
+      <p:nvGrpSpPr>
+        <p:cNvPr id="1" name=""/>
+        <p:cNvGrpSpPr/>
+        <p:nvPr/>
+      </p:nvGrpSpPr>
+      <p:grpSpPr>
+        <a:xfrm>
+          <a:off x="0" y="0"/>
+          <a:ext cx="0" cy="0"/>
+          <a:chOff x="0" y="0"/>
+          <a:chExt cx="0" cy="0"/>
+        </a:xfrm>
+      </p:grpSpPr>
+      <p:sp>
+        <p:nvSpPr>
+          <p:cNvPr id="2" name="Slide Image Placeholder 1"/>
+          <p:cNvSpPr>
+            <a:spLocks noGrp="1" noRot="1" noChangeAspect="1"/>
+          </p:cNvSpPr>
+          <p:nvPr>
+            <p:ph type="sldImg"/>
+          </p:nvPr>
+        </p:nvSpPr>
+        <p:spPr/>
+      </p:sp>
+      <p:sp>
+        <p:nvSpPr>
+          <p:cNvPr id="3" name="Notes Placeholder 2"/>
+          <p:cNvSpPr>
+            <a:spLocks noGrp="1"/>
+          </p:cNvSpPr>
+          <p:nvPr>
+            <p:ph type="body" idx="1"/>
+          </p:nvPr>
+        </p:nvSpPr>
+        <p:spPr/>
+        <p:txBody>
+          <a:bodyPr/>
+          <a:lstStyle/>
+          <a:p>
+            <a:r>
+              <a:rPr lang="en-US" dirty="0"/>
+              <a:t/>
+            </a:r>
+            <a:endParaRPr lang="en-US" dirty="0"/>
+          </a:p>
+        </p:txBody>
+      </p:sp>
+      <p:sp>
+        <p:nvSpPr>
+          <p:cNvPr id="4" name="Slide Number Placeholder 3"/>
+          <p:cNvSpPr>
+            <a:spLocks noGrp="1"/>
+          </p:cNvSpPr>
+          <p:nvPr>
+            <p:ph type="sldNum" sz="quarter" idx="10"/>
+          </p:nvPr>
+        </p:nvSpPr>
+        <p:spPr/>
+        <p:txBody>
+          <a:bodyPr/>
+          <a:lstStyle/>
+          <a:p>
+            <a:fld id="{F7021451-1387-4CA6-816F-3879F97B5CBC}" type="slidenum">
+              <a:rPr lang="en-US"/>
+              <a:t>20</a:t>
+            </a:fld>
+            <a:endParaRPr lang="en-US"/>
+          </a:p>
+        </p:txBody>
+      </p:sp>
+    </p:spTree>
+    <p:extLst>
+      <p:ext uri="{BB962C8B-B14F-4D97-AF65-F5344CB8AC3E}">
+        <p14:creationId xmlns:p14="http://schemas.microsoft.com/office/powerpoint/2010/main" val="1024086991"/>
+      </p:ext>
+    </p:extLst>
+  </p:cSld>
+  <p:clrMapOvr>
+    <a:masterClrMapping/>
+  </p:clrMapOvr>
+</p:notes>
+</file>
+
+<file path=ppt/notesSlides/notesSlide21.xml><?xml version="1.0" encoding="utf-8"?>
+<p:notes xmlns:a="http://schemas.openxmlformats.org/drawingml/2006/main" xmlns:r="http://schemas.openxmlformats.org/officeDocument/2006/relationships" xmlns:p="http://schemas.openxmlformats.org/presentationml/2006/main">
+  <p:cSld>
+    <p:spTree>
+      <p:nvGrpSpPr>
+        <p:cNvPr id="1" name=""/>
+        <p:cNvGrpSpPr/>
+        <p:nvPr/>
+      </p:nvGrpSpPr>
+      <p:grpSpPr>
+        <a:xfrm>
+          <a:off x="0" y="0"/>
+          <a:ext cx="0" cy="0"/>
+          <a:chOff x="0" y="0"/>
+          <a:chExt cx="0" cy="0"/>
+        </a:xfrm>
+      </p:grpSpPr>
+      <p:sp>
+        <p:nvSpPr>
+          <p:cNvPr id="2" name="Slide Image Placeholder 1"/>
+          <p:cNvSpPr>
+            <a:spLocks noGrp="1" noRot="1" noChangeAspect="1"/>
+          </p:cNvSpPr>
+          <p:nvPr>
+            <p:ph type="sldImg"/>
+          </p:nvPr>
+        </p:nvSpPr>
+        <p:spPr/>
+      </p:sp>
+      <p:sp>
+        <p:nvSpPr>
+          <p:cNvPr id="3" name="Notes Placeholder 2"/>
+          <p:cNvSpPr>
+            <a:spLocks noGrp="1"/>
+          </p:cNvSpPr>
+          <p:nvPr>
+            <p:ph type="body" idx="1"/>
+          </p:nvPr>
+        </p:nvSpPr>
+        <p:spPr/>
+        <p:txBody>
+          <a:bodyPr/>
+          <a:lstStyle/>
+          <a:p>
+            <a:r>
+              <a:rPr lang="en-US" dirty="0"/>
+              <a:t/>
+            </a:r>
+            <a:endParaRPr lang="en-US" dirty="0"/>
+          </a:p>
+        </p:txBody>
+      </p:sp>
+      <p:sp>
+        <p:nvSpPr>
+          <p:cNvPr id="4" name="Slide Number Placeholder 3"/>
+          <p:cNvSpPr>
+            <a:spLocks noGrp="1"/>
+          </p:cNvSpPr>
+          <p:nvPr>
+            <p:ph type="sldNum" sz="quarter" idx="10"/>
+          </p:nvPr>
+        </p:nvSpPr>
+        <p:spPr/>
+        <p:txBody>
+          <a:bodyPr/>
+          <a:lstStyle/>
+          <a:p>
+            <a:fld id="{F7021451-1387-4CA6-816F-3879F97B5CBC}" type="slidenum">
+              <a:rPr lang="en-US"/>
+              <a:t>21</a:t>
+            </a:fld>
+            <a:endParaRPr lang="en-US"/>
+          </a:p>
+        </p:txBody>
+      </p:sp>
+    </p:spTree>
+    <p:extLst>
+      <p:ext uri="{BB962C8B-B14F-4D97-AF65-F5344CB8AC3E}">
+        <p14:creationId xmlns:p14="http://schemas.microsoft.com/office/powerpoint/2010/main" val="1024086991"/>
+      </p:ext>
+    </p:extLst>
+  </p:cSld>
+  <p:clrMapOvr>
+    <a:masterClrMapping/>
+  </p:clrMapOvr>
+</p:notes>
+</file>
+
+<file path=ppt/notesSlides/notesSlide22.xml><?xml version="1.0" encoding="utf-8"?>
+<p:notes xmlns:a="http://schemas.openxmlformats.org/drawingml/2006/main" xmlns:r="http://schemas.openxmlformats.org/officeDocument/2006/relationships" xmlns:p="http://schemas.openxmlformats.org/presentationml/2006/main">
+  <p:cSld>
+    <p:spTree>
+      <p:nvGrpSpPr>
+        <p:cNvPr id="1" name=""/>
+        <p:cNvGrpSpPr/>
+        <p:nvPr/>
+      </p:nvGrpSpPr>
+      <p:grpSpPr>
+        <a:xfrm>
+          <a:off x="0" y="0"/>
+          <a:ext cx="0" cy="0"/>
+          <a:chOff x="0" y="0"/>
+          <a:chExt cx="0" cy="0"/>
+        </a:xfrm>
+      </p:grpSpPr>
+      <p:sp>
+        <p:nvSpPr>
+          <p:cNvPr id="2" name="Slide Image Placeholder 1"/>
+          <p:cNvSpPr>
+            <a:spLocks noGrp="1" noRot="1" noChangeAspect="1"/>
+          </p:cNvSpPr>
+          <p:nvPr>
+            <p:ph type="sldImg"/>
+          </p:nvPr>
+        </p:nvSpPr>
+        <p:spPr/>
+      </p:sp>
+      <p:sp>
+        <p:nvSpPr>
+          <p:cNvPr id="3" name="Notes Placeholder 2"/>
+          <p:cNvSpPr>
+            <a:spLocks noGrp="1"/>
+          </p:cNvSpPr>
+          <p:nvPr>
+            <p:ph type="body" idx="1"/>
+          </p:nvPr>
+        </p:nvSpPr>
+        <p:spPr/>
+        <p:txBody>
+          <a:bodyPr/>
+          <a:lstStyle/>
+          <a:p>
+            <a:r>
+              <a:rPr lang="en-US" dirty="0"/>
+              <a:t/>
+            </a:r>
+            <a:endParaRPr lang="en-US" dirty="0"/>
+          </a:p>
+        </p:txBody>
+      </p:sp>
+      <p:sp>
+        <p:nvSpPr>
+          <p:cNvPr id="4" name="Slide Number Placeholder 3"/>
+          <p:cNvSpPr>
+            <a:spLocks noGrp="1"/>
+          </p:cNvSpPr>
+          <p:nvPr>
+            <p:ph type="sldNum" sz="quarter" idx="10"/>
+          </p:nvPr>
+        </p:nvSpPr>
+        <p:spPr/>
+        <p:txBody>
+          <a:bodyPr/>
+          <a:lstStyle/>
+          <a:p>
+            <a:fld id="{F7021451-1387-4CA6-816F-3879F97B5CBC}" type="slidenum">
+              <a:rPr lang="en-US"/>
+              <a:t>22</a:t>
+            </a:fld>
+            <a:endParaRPr lang="en-US"/>
+          </a:p>
+        </p:txBody>
+      </p:sp>
+    </p:spTree>
+    <p:extLst>
+      <p:ext uri="{BB962C8B-B14F-4D97-AF65-F5344CB8AC3E}">
+        <p14:creationId xmlns:p14="http://schemas.microsoft.com/office/powerpoint/2010/main" val="1024086991"/>
+      </p:ext>
+    </p:extLst>
+  </p:cSld>
+  <p:clrMapOvr>
+    <a:masterClrMapping/>
+  </p:clrMapOvr>
+</p:notes>
+</file>
+
+<file path=ppt/notesSlides/notesSlide23.xml><?xml version="1.0" encoding="utf-8"?>
+<p:notes xmlns:a="http://schemas.openxmlformats.org/drawingml/2006/main" xmlns:r="http://schemas.openxmlformats.org/officeDocument/2006/relationships" xmlns:p="http://schemas.openxmlformats.org/presentationml/2006/main">
+  <p:cSld>
+    <p:spTree>
+      <p:nvGrpSpPr>
+        <p:cNvPr id="1" name=""/>
+        <p:cNvGrpSpPr/>
+        <p:nvPr/>
+      </p:nvGrpSpPr>
+      <p:grpSpPr>
+        <a:xfrm>
+          <a:off x="0" y="0"/>
+          <a:ext cx="0" cy="0"/>
+          <a:chOff x="0" y="0"/>
+          <a:chExt cx="0" cy="0"/>
+        </a:xfrm>
+      </p:grpSpPr>
+      <p:sp>
+        <p:nvSpPr>
+          <p:cNvPr id="2" name="Slide Image Placeholder 1"/>
+          <p:cNvSpPr>
+            <a:spLocks noGrp="1" noRot="1" noChangeAspect="1"/>
+          </p:cNvSpPr>
+          <p:nvPr>
+            <p:ph type="sldImg"/>
+          </p:nvPr>
+        </p:nvSpPr>
+        <p:spPr/>
+      </p:sp>
+      <p:sp>
+        <p:nvSpPr>
+          <p:cNvPr id="3" name="Notes Placeholder 2"/>
+          <p:cNvSpPr>
+            <a:spLocks noGrp="1"/>
+          </p:cNvSpPr>
+          <p:nvPr>
+            <p:ph type="body" idx="1"/>
+          </p:nvPr>
+        </p:nvSpPr>
+        <p:spPr/>
+        <p:txBody>
+          <a:bodyPr/>
+          <a:lstStyle/>
+          <a:p>
+            <a:r>
+              <a:rPr lang="en-US" dirty="0"/>
+              <a:t/>
+            </a:r>
+            <a:endParaRPr lang="en-US" dirty="0"/>
+          </a:p>
+        </p:txBody>
+      </p:sp>
+      <p:sp>
+        <p:nvSpPr>
+          <p:cNvPr id="4" name="Slide Number Placeholder 3"/>
+          <p:cNvSpPr>
+            <a:spLocks noGrp="1"/>
+          </p:cNvSpPr>
+          <p:nvPr>
+            <p:ph type="sldNum" sz="quarter" idx="10"/>
+          </p:nvPr>
+        </p:nvSpPr>
+        <p:spPr/>
+        <p:txBody>
+          <a:bodyPr/>
+          <a:lstStyle/>
+          <a:p>
+            <a:fld id="{F7021451-1387-4CA6-816F-3879F97B5CBC}" type="slidenum">
+              <a:rPr lang="en-US"/>
+              <a:t>23</a:t>
             </a:fld>
             <a:endParaRPr lang="en-US"/>
           </a:p>
@@ -2500,7 +2856,7 @@
                   <a:srgbClr val="000000"/>
                 </a:solidFill>
               </a:rPr>
-              <a:t>殺す</a:t>
+              <a:t>幅広い</a:t>
             </a:r>
             <a:endParaRPr lang="en-US" sz="4800" dirty="0"/>
           </a:p>
@@ -2548,7 +2904,7 @@
                   <a:srgbClr val="404040"/>
                 </a:solidFill>
               </a:rPr>
-              <a:t>ころす</a:t>
+              <a:t>はばひろい</a:t>
             </a:r>
             <a:endParaRPr lang="en-US" sz="3600" dirty="0"/>
           </a:p>
@@ -2584,7 +2940,7 @@
                   <a:srgbClr val="808080"/>
                 </a:solidFill>
               </a:rPr>
-              <a:t>to kill, to slay, to murder, to slaughter | to suppress, to block, to hamper, to destroy (e.g. talent), to eliminate (e.g...</a:t>
+              <a:t>extensive, wide, broad...</a:t>
             </a:r>
             <a:endParaRPr lang="en-US" sz="3600" dirty="0"/>
           </a:p>
@@ -2620,7 +2976,7 @@
                   <a:srgbClr val="808080"/>
                 </a:solidFill>
               </a:rPr>
-              <a:t>67-68</a:t>
+              <a:t>65-66</a:t>
             </a:r>
             <a:endParaRPr lang="en-US" sz="2400" dirty="0"/>
           </a:p>
@@ -2681,7 +3037,7 @@
                   <a:srgbClr val="000000"/>
                 </a:solidFill>
               </a:rPr>
-              <a:t>幅広い</a:t>
+              <a:t>害虫</a:t>
             </a:r>
             <a:endParaRPr lang="en-US" sz="4800" dirty="0"/>
           </a:p>
@@ -2729,7 +3085,7 @@
                   <a:srgbClr val="404040"/>
                 </a:solidFill>
               </a:rPr>
-              <a:t>はばひろい</a:t>
+              <a:t>がいちゅう</a:t>
             </a:r>
             <a:endParaRPr lang="en-US" sz="3600" dirty="0"/>
           </a:p>
@@ -2765,7 +3121,7 @@
                   <a:srgbClr val="808080"/>
                 </a:solidFill>
               </a:rPr>
-              <a:t>extensive, wide, broad...</a:t>
+              <a:t>harmful insect, noxious insect, vermin, pest...</a:t>
             </a:r>
             <a:endParaRPr lang="en-US" sz="3600" dirty="0"/>
           </a:p>
@@ -2862,7 +3218,7 @@
                   <a:srgbClr val="000000"/>
                 </a:solidFill>
               </a:rPr>
-              <a:t>増幅</a:t>
+              <a:t>豊か</a:t>
             </a:r>
             <a:endParaRPr lang="en-US" sz="4800" dirty="0"/>
           </a:p>
@@ -2910,7 +3266,7 @@
                   <a:srgbClr val="404040"/>
                 </a:solidFill>
               </a:rPr>
-              <a:t>ぞうふく</a:t>
+              <a:t>ゆたか</a:t>
             </a:r>
             <a:endParaRPr lang="en-US" sz="3600" dirty="0"/>
           </a:p>
@@ -2946,7 +3302,7 @@
                   <a:srgbClr val="808080"/>
                 </a:solidFill>
               </a:rPr>
-              <a:t>amplification (elec.) | magnification, amplification, making larger...</a:t>
+              <a:t>abundant, plentiful, rich, ample | rich, wealthy, affluent, well-off | open (mind), relaxed, easy | plump (e.g. breasts),...</a:t>
             </a:r>
             <a:endParaRPr lang="en-US" sz="3600" dirty="0"/>
           </a:p>
@@ -2982,7 +3338,7 @@
                   <a:srgbClr val="808080"/>
                 </a:solidFill>
               </a:rPr>
-              <a:t>65-66</a:t>
+              <a:t>63-64</a:t>
             </a:r>
             <a:endParaRPr lang="en-US" sz="2400" dirty="0"/>
           </a:p>
@@ -3043,7 +3399,7 @@
                   <a:srgbClr val="000000"/>
                 </a:solidFill>
               </a:rPr>
-              <a:t>支える</a:t>
+              <a:t>豊作</a:t>
             </a:r>
             <a:endParaRPr lang="en-US" sz="4800" dirty="0"/>
           </a:p>
@@ -3091,7 +3447,7 @@
                   <a:srgbClr val="404040"/>
                 </a:solidFill>
               </a:rPr>
-              <a:t>ささえる</a:t>
+              <a:t>ほうさく</a:t>
             </a:r>
             <a:endParaRPr lang="en-US" sz="3600" dirty="0"/>
           </a:p>
@@ -3127,7 +3483,7 @@
                   <a:srgbClr val="808080"/>
                 </a:solidFill>
               </a:rPr>
-              <a:t>to support, to prop, to sustain, to underlay, to hold up, to defend | to hold at bay, to stem, to check...</a:t>
+              <a:t>abundant harvest, bumper crop...</a:t>
             </a:r>
             <a:endParaRPr lang="en-US" sz="3600" dirty="0"/>
           </a:p>
@@ -3163,7 +3519,7 @@
                   <a:srgbClr val="808080"/>
                 </a:solidFill>
               </a:rPr>
-              <a:t>65-66</a:t>
+              <a:t>63-64</a:t>
             </a:r>
             <a:endParaRPr lang="en-US" sz="2400" dirty="0"/>
           </a:p>
@@ -3224,7 +3580,7 @@
                   <a:srgbClr val="000000"/>
                 </a:solidFill>
               </a:rPr>
-              <a:t>支持</a:t>
+              <a:t>得る</a:t>
             </a:r>
             <a:endParaRPr lang="en-US" sz="4800" dirty="0"/>
           </a:p>
@@ -3272,7 +3628,7 @@
                   <a:srgbClr val="404040"/>
                 </a:solidFill>
               </a:rPr>
-              <a:t>しじ</a:t>
+              <a:t>える</a:t>
             </a:r>
             <a:endParaRPr lang="en-US" sz="3600" dirty="0"/>
           </a:p>
@@ -3308,7 +3664,7 @@
                   <a:srgbClr val="808080"/>
                 </a:solidFill>
               </a:rPr>
-              <a:t>support, backing, endorsement, approval | propping up, holding up, support...</a:t>
+              <a:t>to get, to earn, to acquire, to procure, to gain, to secure, to attain, to obtain, to win | to understand, to comprehend ...</a:t>
             </a:r>
             <a:endParaRPr lang="en-US" sz="3600" dirty="0"/>
           </a:p>
@@ -3344,7 +3700,7 @@
                   <a:srgbClr val="808080"/>
                 </a:solidFill>
               </a:rPr>
-              <a:t>65-66</a:t>
+              <a:t>63-64</a:t>
             </a:r>
             <a:endParaRPr lang="en-US" sz="2400" dirty="0"/>
           </a:p>
@@ -3405,7 +3761,7 @@
                   <a:srgbClr val="000000"/>
                 </a:solidFill>
               </a:rPr>
-              <a:t>反対</a:t>
+              <a:t>得意</a:t>
             </a:r>
             <a:endParaRPr lang="en-US" sz="4800" dirty="0"/>
           </a:p>
@@ -3453,7 +3809,7 @@
                   <a:srgbClr val="404040"/>
                 </a:solidFill>
               </a:rPr>
-              <a:t>はんたい</a:t>
+              <a:t>とくい</a:t>
             </a:r>
             <a:endParaRPr lang="en-US" sz="3600" dirty="0"/>
           </a:p>
@@ -3489,7 +3845,7 @@
                   <a:srgbClr val="808080"/>
                 </a:solidFill>
               </a:rPr>
-              <a:t>opposition, resistance, antagonism, hostility, objection, dissent | reverse, opposite, inverse, contrary...</a:t>
+              <a:t>satisfaction, pride, triumph, elation | one's strong point, one's forte, one's specialty | regular customer, regular clie...</a:t>
             </a:r>
             <a:endParaRPr lang="en-US" sz="3600" dirty="0"/>
           </a:p>
@@ -3525,7 +3881,7 @@
                   <a:srgbClr val="808080"/>
                 </a:solidFill>
               </a:rPr>
-              <a:t>65-66</a:t>
+              <a:t>63-64</a:t>
             </a:r>
             <a:endParaRPr lang="en-US" sz="2400" dirty="0"/>
           </a:p>
@@ -3586,7 +3942,7 @@
                   <a:srgbClr val="000000"/>
                 </a:solidFill>
               </a:rPr>
-              <a:t>論文</a:t>
+              <a:t>逆らう</a:t>
             </a:r>
             <a:endParaRPr lang="en-US" sz="4800" dirty="0"/>
           </a:p>
@@ -3634,7 +3990,7 @@
                   <a:srgbClr val="404040"/>
                 </a:solidFill>
               </a:rPr>
-              <a:t>ろんぶん</a:t>
+              <a:t>さからう</a:t>
             </a:r>
             <a:endParaRPr lang="en-US" sz="3600" dirty="0"/>
           </a:p>
@@ -3670,7 +4026,7 @@
                   <a:srgbClr val="808080"/>
                 </a:solidFill>
               </a:rPr>
-              <a:t>thesis, essay, treatise, paper, article...</a:t>
+              <a:t>to go against, to oppose, to disobey, to defy...</a:t>
             </a:r>
             <a:endParaRPr lang="en-US" sz="3600" dirty="0"/>
           </a:p>
@@ -3706,7 +4062,7 @@
                   <a:srgbClr val="808080"/>
                 </a:solidFill>
               </a:rPr>
-              <a:t>65-66</a:t>
+              <a:t>63-64</a:t>
             </a:r>
             <a:endParaRPr lang="en-US" sz="2400" dirty="0"/>
           </a:p>
@@ -3767,7 +4123,7 @@
                   <a:srgbClr val="000000"/>
                 </a:solidFill>
               </a:rPr>
-              <a:t>否定</a:t>
+              <a:t>逆</a:t>
             </a:r>
             <a:endParaRPr lang="en-US" sz="4800" dirty="0"/>
           </a:p>
@@ -3815,7 +4171,7 @@
                   <a:srgbClr val="404040"/>
                 </a:solidFill>
               </a:rPr>
-              <a:t>ひてい</a:t>
+              <a:t>ぎゃく</a:t>
             </a:r>
             <a:endParaRPr lang="en-US" sz="3600" dirty="0"/>
           </a:p>
@@ -3851,7 +4207,7 @@
                   <a:srgbClr val="808080"/>
                 </a:solidFill>
               </a:rPr>
-              <a:t>denial, negation, repudiation, disavowal | negation | NOT operation...</a:t>
+              <a:t>reverse, opposite | converse (of a hypothesis, etc.) | inverse (function)...</a:t>
             </a:r>
             <a:endParaRPr lang="en-US" sz="3600" dirty="0"/>
           </a:p>
@@ -3887,7 +4243,7 @@
                   <a:srgbClr val="808080"/>
                 </a:solidFill>
               </a:rPr>
-              <a:t>65-66</a:t>
+              <a:t>63-64</a:t>
             </a:r>
             <a:endParaRPr lang="en-US" sz="2400" dirty="0"/>
           </a:p>
@@ -3948,7 +4304,7 @@
                   <a:srgbClr val="000000"/>
                 </a:solidFill>
               </a:rPr>
-              <a:t>野菜</a:t>
+              <a:t>お互い</a:t>
             </a:r>
             <a:endParaRPr lang="en-US" sz="4800" dirty="0"/>
           </a:p>
@@ -3996,7 +4352,7 @@
                   <a:srgbClr val="404040"/>
                 </a:solidFill>
               </a:rPr>
-              <a:t>やさい</a:t>
+              <a:t>おたがい</a:t>
             </a:r>
             <a:endParaRPr lang="en-US" sz="3600" dirty="0"/>
           </a:p>
@@ -4032,7 +4388,7 @@
                   <a:srgbClr val="808080"/>
                 </a:solidFill>
               </a:rPr>
-              <a:t>vegetable...</a:t>
+              <a:t>each other, one another...</a:t>
             </a:r>
             <a:endParaRPr lang="en-US" sz="3600" dirty="0"/>
           </a:p>
@@ -4068,7 +4424,7 @@
                   <a:srgbClr val="808080"/>
                 </a:solidFill>
               </a:rPr>
-              <a:t>65-66</a:t>
+              <a:t>63-64</a:t>
             </a:r>
             <a:endParaRPr lang="en-US" sz="2400" dirty="0"/>
           </a:p>
@@ -4129,7 +4485,7 @@
                   <a:srgbClr val="000000"/>
                 </a:solidFill>
               </a:rPr>
-              <a:t>穀物</a:t>
+              <a:t>相互</a:t>
             </a:r>
             <a:endParaRPr lang="en-US" sz="4800" dirty="0"/>
           </a:p>
@@ -4177,7 +4533,7 @@
                   <a:srgbClr val="404040"/>
                 </a:solidFill>
               </a:rPr>
-              <a:t>こくもつ</a:t>
+              <a:t>そうご</a:t>
             </a:r>
             <a:endParaRPr lang="en-US" sz="3600" dirty="0"/>
           </a:p>
@@ -4213,7 +4569,7 @@
                   <a:srgbClr val="808080"/>
                 </a:solidFill>
               </a:rPr>
-              <a:t>grain, cereal, corn...</a:t>
+              <a:t>mutual, reciprocal...</a:t>
             </a:r>
             <a:endParaRPr lang="en-US" sz="3600" dirty="0"/>
           </a:p>
@@ -4249,7 +4605,7 @@
                   <a:srgbClr val="808080"/>
                 </a:solidFill>
               </a:rPr>
-              <a:t>65-66</a:t>
+              <a:t>63-64</a:t>
             </a:r>
             <a:endParaRPr lang="en-US" sz="2400" dirty="0"/>
           </a:p>
@@ -4310,7 +4666,7 @@
                   <a:srgbClr val="000000"/>
                 </a:solidFill>
               </a:rPr>
-              <a:t>害虫</a:t>
+              <a:t>伸びる</a:t>
             </a:r>
             <a:endParaRPr lang="en-US" sz="4800" dirty="0"/>
           </a:p>
@@ -4358,7 +4714,7 @@
                   <a:srgbClr val="404040"/>
                 </a:solidFill>
               </a:rPr>
-              <a:t>がいちゅう</a:t>
+              <a:t>のびる</a:t>
             </a:r>
             <a:endParaRPr lang="en-US" sz="3600" dirty="0"/>
           </a:p>
@@ -4394,7 +4750,7 @@
                   <a:srgbClr val="808080"/>
                 </a:solidFill>
               </a:rPr>
-              <a:t>harmful insect, noxious insect, vermin, pest...</a:t>
+              <a:t>to stretch, to extend, to lengthen, to grow (of hair, height, grass, etc.) | to straighten out, to be flattened, to becom...</a:t>
             </a:r>
             <a:endParaRPr lang="en-US" sz="3600" dirty="0"/>
           </a:p>
@@ -4430,7 +4786,7 @@
                   <a:srgbClr val="808080"/>
                 </a:solidFill>
               </a:rPr>
-              <a:t>65-66</a:t>
+              <a:t>63-64</a:t>
             </a:r>
             <a:endParaRPr lang="en-US" sz="2400" dirty="0"/>
           </a:p>
@@ -4491,7 +4847,7 @@
                   <a:srgbClr val="000000"/>
                 </a:solidFill>
               </a:rPr>
-              <a:t>殺人</a:t>
+              <a:t>増幅</a:t>
             </a:r>
             <a:endParaRPr lang="en-US" sz="4800" dirty="0"/>
           </a:p>
@@ -4539,7 +4895,7 @@
                   <a:srgbClr val="404040"/>
                 </a:solidFill>
               </a:rPr>
-              <a:t>さつじん</a:t>
+              <a:t>ぞうふく</a:t>
             </a:r>
             <a:endParaRPr lang="en-US" sz="3600" dirty="0"/>
           </a:p>
@@ -4575,7 +4931,7 @@
                   <a:srgbClr val="808080"/>
                 </a:solidFill>
               </a:rPr>
-              <a:t>murder, homicide, manslaughter...</a:t>
+              <a:t>amplification (elec.) | magnification, amplification, making larger...</a:t>
             </a:r>
             <a:endParaRPr lang="en-US" sz="3600" dirty="0"/>
           </a:p>
@@ -4611,7 +4967,731 @@
                   <a:srgbClr val="808080"/>
                 </a:solidFill>
               </a:rPr>
-              <a:t>67-68</a:t>
+              <a:t>65-66</a:t>
+            </a:r>
+            <a:endParaRPr lang="en-US" sz="2400" dirty="0"/>
+          </a:p>
+        </p:txBody>
+      </p:sp>
+    </p:spTree>
+  </p:cSld>
+  <p:clrMapOvr>
+    <a:masterClrMapping/>
+  </p:clrMapOvr>
+</p:sld>
+</file>
+
+<file path=ppt/slides/slide20.xml><?xml version="1.0" encoding="utf-8"?>
+<p:sld xmlns:a="http://schemas.openxmlformats.org/drawingml/2006/main" xmlns:r="http://schemas.openxmlformats.org/officeDocument/2006/relationships" xmlns:p="http://schemas.openxmlformats.org/presentationml/2006/main">
+  <p:cSld name="Slide 20">
+    <p:spTree>
+      <p:nvGrpSpPr>
+        <p:cNvPr id="1" name=""/>
+        <p:cNvGrpSpPr/>
+        <p:nvPr/>
+      </p:nvGrpSpPr>
+      <p:grpSpPr>
+        <a:xfrm>
+          <a:off x="0" y="0"/>
+          <a:ext cx="0" cy="0"/>
+          <a:chOff x="0" y="0"/>
+          <a:chExt cx="0" cy="0"/>
+        </a:xfrm>
+      </p:grpSpPr>
+      <p:sp>
+        <p:nvSpPr>
+          <p:cNvPr id="2" name="Text 0"/>
+          <p:cNvSpPr/>
+          <p:nvPr/>
+        </p:nvSpPr>
+        <p:spPr>
+          <a:xfrm>
+            <a:off x="0" y="548640"/>
+            <a:ext cx="9144000" cy="1828800"/>
+          </a:xfrm>
+          <a:prstGeom prst="rect">
+            <a:avLst/>
+          </a:prstGeom>
+          <a:noFill/>
+          <a:ln/>
+        </p:spPr>
+        <p:txBody>
+          <a:bodyPr wrap="square" rtlCol="0" anchor="ctr"/>
+          <a:lstStyle/>
+          <a:p>
+            <a:pPr algn="ctr" indent="0" marL="0">
+              <a:buNone/>
+            </a:pPr>
+            <a:r>
+              <a:rPr lang="en-US" sz="4800" dirty="0">
+                <a:solidFill>
+                  <a:srgbClr val="000000"/>
+                </a:solidFill>
+              </a:rPr>
+              <a:t>与える</a:t>
+            </a:r>
+            <a:endParaRPr lang="en-US" sz="4800" dirty="0"/>
+          </a:p>
+        </p:txBody>
+      </p:sp>
+      <p:sp>
+        <p:nvSpPr>
+          <p:cNvPr id="3" name="Text 1"/>
+          <p:cNvSpPr/>
+          <p:nvPr/>
+        </p:nvSpPr>
+        <p:spPr>
+          <a:xfrm>
+            <a:off x="0" y="914400"/>
+            <a:ext cx="9144000" cy="1828800"/>
+          </a:xfrm>
+          <a:prstGeom prst="rect">
+            <a:avLst/>
+          </a:prstGeom>
+          <a:noFill/>
+          <a:ln/>
+        </p:spPr>
+        <p:txBody>
+          <a:bodyPr wrap="square" rtlCol="0" anchor="ctr"/>
+          <a:lstStyle/>
+          <a:p>
+            <a:pPr algn="ctr" indent="0" marL="0">
+              <a:buNone/>
+            </a:pPr>
+            <a:endParaRPr lang="en-US" sz="3600" dirty="0"/>
+          </a:p>
+          <a:p>
+            <a:pPr algn="ctr" indent="0" marL="0">
+              <a:buNone/>
+            </a:pPr>
+            <a:endParaRPr lang="en-US" sz="3600" dirty="0"/>
+          </a:p>
+          <a:p>
+            <a:pPr algn="ctr" indent="0" marL="0">
+              <a:buNone/>
+            </a:pPr>
+            <a:r>
+              <a:rPr lang="en-US" sz="3600" dirty="0">
+                <a:solidFill>
+                  <a:srgbClr val="404040"/>
+                </a:solidFill>
+              </a:rPr>
+              <a:t>あたえる</a:t>
+            </a:r>
+            <a:endParaRPr lang="en-US" sz="3600" dirty="0"/>
+          </a:p>
+        </p:txBody>
+      </p:sp>
+      <p:sp>
+        <p:nvSpPr>
+          <p:cNvPr id="4" name="Text 2"/>
+          <p:cNvSpPr/>
+          <p:nvPr/>
+        </p:nvSpPr>
+        <p:spPr>
+          <a:xfrm>
+            <a:off x="0" y="2743200"/>
+            <a:ext cx="9144000" cy="1828800"/>
+          </a:xfrm>
+          <a:prstGeom prst="rect">
+            <a:avLst/>
+          </a:prstGeom>
+          <a:noFill/>
+          <a:ln/>
+        </p:spPr>
+        <p:txBody>
+          <a:bodyPr wrap="square" rtlCol="0" anchor="ctr"/>
+          <a:lstStyle/>
+          <a:p>
+            <a:pPr algn="ctr" indent="0" marL="0">
+              <a:buNone/>
+            </a:pPr>
+            <a:r>
+              <a:rPr lang="en-US" sz="3600" dirty="0">
+                <a:solidFill>
+                  <a:srgbClr val="808080"/>
+                </a:solidFill>
+              </a:rPr>
+              <a:t>to give (esp. to someone of lower status), to bestow, to grant, to confer, to present, to award | to provide, to afford, ...</a:t>
+            </a:r>
+            <a:endParaRPr lang="en-US" sz="3600" dirty="0"/>
+          </a:p>
+        </p:txBody>
+      </p:sp>
+      <p:sp>
+        <p:nvSpPr>
+          <p:cNvPr id="5" name="Text 3"/>
+          <p:cNvSpPr/>
+          <p:nvPr/>
+        </p:nvSpPr>
+        <p:spPr>
+          <a:xfrm>
+            <a:off x="0" y="3657600"/>
+            <a:ext cx="8686800" cy="1828800"/>
+          </a:xfrm>
+          <a:prstGeom prst="rect">
+            <a:avLst/>
+          </a:prstGeom>
+          <a:noFill/>
+          <a:ln/>
+        </p:spPr>
+        <p:txBody>
+          <a:bodyPr wrap="square" rtlCol="0" anchor="ctr"/>
+          <a:lstStyle/>
+          <a:p>
+            <a:pPr algn="r" indent="0" marL="0">
+              <a:buNone/>
+            </a:pPr>
+            <a:r>
+              <a:rPr lang="en-US" sz="2400" dirty="0">
+                <a:solidFill>
+                  <a:srgbClr val="808080"/>
+                </a:solidFill>
+              </a:rPr>
+              <a:t>63-64</a:t>
+            </a:r>
+            <a:endParaRPr lang="en-US" sz="2400" dirty="0"/>
+          </a:p>
+        </p:txBody>
+      </p:sp>
+    </p:spTree>
+  </p:cSld>
+  <p:clrMapOvr>
+    <a:masterClrMapping/>
+  </p:clrMapOvr>
+</p:sld>
+</file>
+
+<file path=ppt/slides/slide21.xml><?xml version="1.0" encoding="utf-8"?>
+<p:sld xmlns:a="http://schemas.openxmlformats.org/drawingml/2006/main" xmlns:r="http://schemas.openxmlformats.org/officeDocument/2006/relationships" xmlns:p="http://schemas.openxmlformats.org/presentationml/2006/main">
+  <p:cSld name="Slide 21">
+    <p:spTree>
+      <p:nvGrpSpPr>
+        <p:cNvPr id="1" name=""/>
+        <p:cNvGrpSpPr/>
+        <p:nvPr/>
+      </p:nvGrpSpPr>
+      <p:grpSpPr>
+        <a:xfrm>
+          <a:off x="0" y="0"/>
+          <a:ext cx="0" cy="0"/>
+          <a:chOff x="0" y="0"/>
+          <a:chExt cx="0" cy="0"/>
+        </a:xfrm>
+      </p:grpSpPr>
+      <p:sp>
+        <p:nvSpPr>
+          <p:cNvPr id="2" name="Text 0"/>
+          <p:cNvSpPr/>
+          <p:nvPr/>
+        </p:nvSpPr>
+        <p:spPr>
+          <a:xfrm>
+            <a:off x="0" y="548640"/>
+            <a:ext cx="9144000" cy="1828800"/>
+          </a:xfrm>
+          <a:prstGeom prst="rect">
+            <a:avLst/>
+          </a:prstGeom>
+          <a:noFill/>
+          <a:ln/>
+        </p:spPr>
+        <p:txBody>
+          <a:bodyPr wrap="square" rtlCol="0" anchor="ctr"/>
+          <a:lstStyle/>
+          <a:p>
+            <a:pPr algn="ctr" indent="0" marL="0">
+              <a:buNone/>
+            </a:pPr>
+            <a:r>
+              <a:rPr lang="en-US" sz="4800" dirty="0">
+                <a:solidFill>
+                  <a:srgbClr val="000000"/>
+                </a:solidFill>
+              </a:rPr>
+              <a:t>貸与</a:t>
+            </a:r>
+            <a:endParaRPr lang="en-US" sz="4800" dirty="0"/>
+          </a:p>
+        </p:txBody>
+      </p:sp>
+      <p:sp>
+        <p:nvSpPr>
+          <p:cNvPr id="3" name="Text 1"/>
+          <p:cNvSpPr/>
+          <p:nvPr/>
+        </p:nvSpPr>
+        <p:spPr>
+          <a:xfrm>
+            <a:off x="0" y="914400"/>
+            <a:ext cx="9144000" cy="1828800"/>
+          </a:xfrm>
+          <a:prstGeom prst="rect">
+            <a:avLst/>
+          </a:prstGeom>
+          <a:noFill/>
+          <a:ln/>
+        </p:spPr>
+        <p:txBody>
+          <a:bodyPr wrap="square" rtlCol="0" anchor="ctr"/>
+          <a:lstStyle/>
+          <a:p>
+            <a:pPr algn="ctr" indent="0" marL="0">
+              <a:buNone/>
+            </a:pPr>
+            <a:endParaRPr lang="en-US" sz="3600" dirty="0"/>
+          </a:p>
+          <a:p>
+            <a:pPr algn="ctr" indent="0" marL="0">
+              <a:buNone/>
+            </a:pPr>
+            <a:endParaRPr lang="en-US" sz="3600" dirty="0"/>
+          </a:p>
+          <a:p>
+            <a:pPr algn="ctr" indent="0" marL="0">
+              <a:buNone/>
+            </a:pPr>
+            <a:r>
+              <a:rPr lang="en-US" sz="3600" dirty="0">
+                <a:solidFill>
+                  <a:srgbClr val="404040"/>
+                </a:solidFill>
+              </a:rPr>
+              <a:t>たいよ</a:t>
+            </a:r>
+            <a:endParaRPr lang="en-US" sz="3600" dirty="0"/>
+          </a:p>
+        </p:txBody>
+      </p:sp>
+      <p:sp>
+        <p:nvSpPr>
+          <p:cNvPr id="4" name="Text 2"/>
+          <p:cNvSpPr/>
+          <p:nvPr/>
+        </p:nvSpPr>
+        <p:spPr>
+          <a:xfrm>
+            <a:off x="0" y="2743200"/>
+            <a:ext cx="9144000" cy="1828800"/>
+          </a:xfrm>
+          <a:prstGeom prst="rect">
+            <a:avLst/>
+          </a:prstGeom>
+          <a:noFill/>
+          <a:ln/>
+        </p:spPr>
+        <p:txBody>
+          <a:bodyPr wrap="square" rtlCol="0" anchor="ctr"/>
+          <a:lstStyle/>
+          <a:p>
+            <a:pPr algn="ctr" indent="0" marL="0">
+              <a:buNone/>
+            </a:pPr>
+            <a:r>
+              <a:rPr lang="en-US" sz="3600" dirty="0">
+                <a:solidFill>
+                  <a:srgbClr val="808080"/>
+                </a:solidFill>
+              </a:rPr>
+              <a:t>loan, lending...</a:t>
+            </a:r>
+            <a:endParaRPr lang="en-US" sz="3600" dirty="0"/>
+          </a:p>
+        </p:txBody>
+      </p:sp>
+      <p:sp>
+        <p:nvSpPr>
+          <p:cNvPr id="5" name="Text 3"/>
+          <p:cNvSpPr/>
+          <p:nvPr/>
+        </p:nvSpPr>
+        <p:spPr>
+          <a:xfrm>
+            <a:off x="0" y="3657600"/>
+            <a:ext cx="8686800" cy="1828800"/>
+          </a:xfrm>
+          <a:prstGeom prst="rect">
+            <a:avLst/>
+          </a:prstGeom>
+          <a:noFill/>
+          <a:ln/>
+        </p:spPr>
+        <p:txBody>
+          <a:bodyPr wrap="square" rtlCol="0" anchor="ctr"/>
+          <a:lstStyle/>
+          <a:p>
+            <a:pPr algn="r" indent="0" marL="0">
+              <a:buNone/>
+            </a:pPr>
+            <a:r>
+              <a:rPr lang="en-US" sz="2400" dirty="0">
+                <a:solidFill>
+                  <a:srgbClr val="808080"/>
+                </a:solidFill>
+              </a:rPr>
+              <a:t>63-64</a:t>
+            </a:r>
+            <a:endParaRPr lang="en-US" sz="2400" dirty="0"/>
+          </a:p>
+        </p:txBody>
+      </p:sp>
+    </p:spTree>
+  </p:cSld>
+  <p:clrMapOvr>
+    <a:masterClrMapping/>
+  </p:clrMapOvr>
+</p:sld>
+</file>
+
+<file path=ppt/slides/slide22.xml><?xml version="1.0" encoding="utf-8"?>
+<p:sld xmlns:a="http://schemas.openxmlformats.org/drawingml/2006/main" xmlns:r="http://schemas.openxmlformats.org/officeDocument/2006/relationships" xmlns:p="http://schemas.openxmlformats.org/presentationml/2006/main">
+  <p:cSld name="Slide 22">
+    <p:spTree>
+      <p:nvGrpSpPr>
+        <p:cNvPr id="1" name=""/>
+        <p:cNvGrpSpPr/>
+        <p:nvPr/>
+      </p:nvGrpSpPr>
+      <p:grpSpPr>
+        <a:xfrm>
+          <a:off x="0" y="0"/>
+          <a:ext cx="0" cy="0"/>
+          <a:chOff x="0" y="0"/>
+          <a:chExt cx="0" cy="0"/>
+        </a:xfrm>
+      </p:grpSpPr>
+      <p:sp>
+        <p:nvSpPr>
+          <p:cNvPr id="2" name="Text 0"/>
+          <p:cNvSpPr/>
+          <p:nvPr/>
+        </p:nvSpPr>
+        <p:spPr>
+          <a:xfrm>
+            <a:off x="0" y="548640"/>
+            <a:ext cx="9144000" cy="1828800"/>
+          </a:xfrm>
+          <a:prstGeom prst="rect">
+            <a:avLst/>
+          </a:prstGeom>
+          <a:noFill/>
+          <a:ln/>
+        </p:spPr>
+        <p:txBody>
+          <a:bodyPr wrap="square" rtlCol="0" anchor="ctr"/>
+          <a:lstStyle/>
+          <a:p>
+            <a:pPr algn="ctr" indent="0" marL="0">
+              <a:buNone/>
+            </a:pPr>
+            <a:r>
+              <a:rPr lang="en-US" sz="4800" dirty="0">
+                <a:solidFill>
+                  <a:srgbClr val="000000"/>
+                </a:solidFill>
+              </a:rPr>
+              <a:t>可能</a:t>
+            </a:r>
+            <a:endParaRPr lang="en-US" sz="4800" dirty="0"/>
+          </a:p>
+        </p:txBody>
+      </p:sp>
+      <p:sp>
+        <p:nvSpPr>
+          <p:cNvPr id="3" name="Text 1"/>
+          <p:cNvSpPr/>
+          <p:nvPr/>
+        </p:nvSpPr>
+        <p:spPr>
+          <a:xfrm>
+            <a:off x="0" y="914400"/>
+            <a:ext cx="9144000" cy="1828800"/>
+          </a:xfrm>
+          <a:prstGeom prst="rect">
+            <a:avLst/>
+          </a:prstGeom>
+          <a:noFill/>
+          <a:ln/>
+        </p:spPr>
+        <p:txBody>
+          <a:bodyPr wrap="square" rtlCol="0" anchor="ctr"/>
+          <a:lstStyle/>
+          <a:p>
+            <a:pPr algn="ctr" indent="0" marL="0">
+              <a:buNone/>
+            </a:pPr>
+            <a:endParaRPr lang="en-US" sz="3600" dirty="0"/>
+          </a:p>
+          <a:p>
+            <a:pPr algn="ctr" indent="0" marL="0">
+              <a:buNone/>
+            </a:pPr>
+            <a:endParaRPr lang="en-US" sz="3600" dirty="0"/>
+          </a:p>
+          <a:p>
+            <a:pPr algn="ctr" indent="0" marL="0">
+              <a:buNone/>
+            </a:pPr>
+            <a:r>
+              <a:rPr lang="en-US" sz="3600" dirty="0">
+                <a:solidFill>
+                  <a:srgbClr val="404040"/>
+                </a:solidFill>
+              </a:rPr>
+              <a:t>かのう</a:t>
+            </a:r>
+            <a:endParaRPr lang="en-US" sz="3600" dirty="0"/>
+          </a:p>
+        </p:txBody>
+      </p:sp>
+      <p:sp>
+        <p:nvSpPr>
+          <p:cNvPr id="4" name="Text 2"/>
+          <p:cNvSpPr/>
+          <p:nvPr/>
+        </p:nvSpPr>
+        <p:spPr>
+          <a:xfrm>
+            <a:off x="0" y="2743200"/>
+            <a:ext cx="9144000" cy="1828800"/>
+          </a:xfrm>
+          <a:prstGeom prst="rect">
+            <a:avLst/>
+          </a:prstGeom>
+          <a:noFill/>
+          <a:ln/>
+        </p:spPr>
+        <p:txBody>
+          <a:bodyPr wrap="square" rtlCol="0" anchor="ctr"/>
+          <a:lstStyle/>
+          <a:p>
+            <a:pPr algn="ctr" indent="0" marL="0">
+              <a:buNone/>
+            </a:pPr>
+            <a:r>
+              <a:rPr lang="en-US" sz="3600" dirty="0">
+                <a:solidFill>
+                  <a:srgbClr val="808080"/>
+                </a:solidFill>
+              </a:rPr>
+              <a:t>possible, potential, practicable, feasible...</a:t>
+            </a:r>
+            <a:endParaRPr lang="en-US" sz="3600" dirty="0"/>
+          </a:p>
+        </p:txBody>
+      </p:sp>
+      <p:sp>
+        <p:nvSpPr>
+          <p:cNvPr id="5" name="Text 3"/>
+          <p:cNvSpPr/>
+          <p:nvPr/>
+        </p:nvSpPr>
+        <p:spPr>
+          <a:xfrm>
+            <a:off x="0" y="3657600"/>
+            <a:ext cx="8686800" cy="1828800"/>
+          </a:xfrm>
+          <a:prstGeom prst="rect">
+            <a:avLst/>
+          </a:prstGeom>
+          <a:noFill/>
+          <a:ln/>
+        </p:spPr>
+        <p:txBody>
+          <a:bodyPr wrap="square" rtlCol="0" anchor="ctr"/>
+          <a:lstStyle/>
+          <a:p>
+            <a:pPr algn="r" indent="0" marL="0">
+              <a:buNone/>
+            </a:pPr>
+            <a:r>
+              <a:rPr lang="en-US" sz="2400" dirty="0">
+                <a:solidFill>
+                  <a:srgbClr val="808080"/>
+                </a:solidFill>
+              </a:rPr>
+              <a:t>63-64</a:t>
+            </a:r>
+            <a:endParaRPr lang="en-US" sz="2400" dirty="0"/>
+          </a:p>
+        </p:txBody>
+      </p:sp>
+    </p:spTree>
+  </p:cSld>
+  <p:clrMapOvr>
+    <a:masterClrMapping/>
+  </p:clrMapOvr>
+</p:sld>
+</file>
+
+<file path=ppt/slides/slide23.xml><?xml version="1.0" encoding="utf-8"?>
+<p:sld xmlns:a="http://schemas.openxmlformats.org/drawingml/2006/main" xmlns:r="http://schemas.openxmlformats.org/officeDocument/2006/relationships" xmlns:p="http://schemas.openxmlformats.org/presentationml/2006/main">
+  <p:cSld name="Slide 23">
+    <p:spTree>
+      <p:nvGrpSpPr>
+        <p:cNvPr id="1" name=""/>
+        <p:cNvGrpSpPr/>
+        <p:nvPr/>
+      </p:nvGrpSpPr>
+      <p:grpSpPr>
+        <a:xfrm>
+          <a:off x="0" y="0"/>
+          <a:ext cx="0" cy="0"/>
+          <a:chOff x="0" y="0"/>
+          <a:chExt cx="0" cy="0"/>
+        </a:xfrm>
+      </p:grpSpPr>
+      <p:sp>
+        <p:nvSpPr>
+          <p:cNvPr id="2" name="Text 0"/>
+          <p:cNvSpPr/>
+          <p:nvPr/>
+        </p:nvSpPr>
+        <p:spPr>
+          <a:xfrm>
+            <a:off x="0" y="548640"/>
+            <a:ext cx="9144000" cy="1828800"/>
+          </a:xfrm>
+          <a:prstGeom prst="rect">
+            <a:avLst/>
+          </a:prstGeom>
+          <a:noFill/>
+          <a:ln/>
+        </p:spPr>
+        <p:txBody>
+          <a:bodyPr wrap="square" rtlCol="0" anchor="ctr"/>
+          <a:lstStyle/>
+          <a:p>
+            <a:pPr algn="ctr" indent="0" marL="0">
+              <a:buNone/>
+            </a:pPr>
+            <a:r>
+              <a:rPr lang="en-US" sz="4800" dirty="0">
+                <a:solidFill>
+                  <a:srgbClr val="000000"/>
+                </a:solidFill>
+              </a:rPr>
+              <a:t>趣味</a:t>
+            </a:r>
+            <a:endParaRPr lang="en-US" sz="4800" dirty="0"/>
+          </a:p>
+        </p:txBody>
+      </p:sp>
+      <p:sp>
+        <p:nvSpPr>
+          <p:cNvPr id="3" name="Text 1"/>
+          <p:cNvSpPr/>
+          <p:nvPr/>
+        </p:nvSpPr>
+        <p:spPr>
+          <a:xfrm>
+            <a:off x="0" y="914400"/>
+            <a:ext cx="9144000" cy="1828800"/>
+          </a:xfrm>
+          <a:prstGeom prst="rect">
+            <a:avLst/>
+          </a:prstGeom>
+          <a:noFill/>
+          <a:ln/>
+        </p:spPr>
+        <p:txBody>
+          <a:bodyPr wrap="square" rtlCol="0" anchor="ctr"/>
+          <a:lstStyle/>
+          <a:p>
+            <a:pPr algn="ctr" indent="0" marL="0">
+              <a:buNone/>
+            </a:pPr>
+            <a:endParaRPr lang="en-US" sz="3600" dirty="0"/>
+          </a:p>
+          <a:p>
+            <a:pPr algn="ctr" indent="0" marL="0">
+              <a:buNone/>
+            </a:pPr>
+            <a:endParaRPr lang="en-US" sz="3600" dirty="0"/>
+          </a:p>
+          <a:p>
+            <a:pPr algn="ctr" indent="0" marL="0">
+              <a:buNone/>
+            </a:pPr>
+            <a:r>
+              <a:rPr lang="en-US" sz="3600" dirty="0">
+                <a:solidFill>
+                  <a:srgbClr val="404040"/>
+                </a:solidFill>
+              </a:rPr>
+              <a:t>しゅみ</a:t>
+            </a:r>
+            <a:endParaRPr lang="en-US" sz="3600" dirty="0"/>
+          </a:p>
+        </p:txBody>
+      </p:sp>
+      <p:sp>
+        <p:nvSpPr>
+          <p:cNvPr id="4" name="Text 2"/>
+          <p:cNvSpPr/>
+          <p:nvPr/>
+        </p:nvSpPr>
+        <p:spPr>
+          <a:xfrm>
+            <a:off x="0" y="2743200"/>
+            <a:ext cx="9144000" cy="1828800"/>
+          </a:xfrm>
+          <a:prstGeom prst="rect">
+            <a:avLst/>
+          </a:prstGeom>
+          <a:noFill/>
+          <a:ln/>
+        </p:spPr>
+        <p:txBody>
+          <a:bodyPr wrap="square" rtlCol="0" anchor="ctr"/>
+          <a:lstStyle/>
+          <a:p>
+            <a:pPr algn="ctr" indent="0" marL="0">
+              <a:buNone/>
+            </a:pPr>
+            <a:r>
+              <a:rPr lang="en-US" sz="3600" dirty="0">
+                <a:solidFill>
+                  <a:srgbClr val="808080"/>
+                </a:solidFill>
+              </a:rPr>
+              <a:t>hobby, pastime | tastes, preference, liking...</a:t>
+            </a:r>
+            <a:endParaRPr lang="en-US" sz="3600" dirty="0"/>
+          </a:p>
+        </p:txBody>
+      </p:sp>
+      <p:sp>
+        <p:nvSpPr>
+          <p:cNvPr id="5" name="Text 3"/>
+          <p:cNvSpPr/>
+          <p:nvPr/>
+        </p:nvSpPr>
+        <p:spPr>
+          <a:xfrm>
+            <a:off x="0" y="3657600"/>
+            <a:ext cx="8686800" cy="1828800"/>
+          </a:xfrm>
+          <a:prstGeom prst="rect">
+            <a:avLst/>
+          </a:prstGeom>
+          <a:noFill/>
+          <a:ln/>
+        </p:spPr>
+        <p:txBody>
+          <a:bodyPr wrap="square" rtlCol="0" anchor="ctr"/>
+          <a:lstStyle/>
+          <a:p>
+            <a:pPr algn="r" indent="0" marL="0">
+              <a:buNone/>
+            </a:pPr>
+            <a:r>
+              <a:rPr lang="en-US" sz="2400" dirty="0">
+                <a:solidFill>
+                  <a:srgbClr val="808080"/>
+                </a:solidFill>
+              </a:rPr>
+              <a:t>63-64</a:t>
             </a:r>
             <a:endParaRPr lang="en-US" sz="2400" dirty="0"/>
           </a:p>
@@ -4672,7 +5752,7 @@
                   <a:srgbClr val="000000"/>
                 </a:solidFill>
               </a:rPr>
-              <a:t>農薬</a:t>
+              <a:t>支える</a:t>
             </a:r>
             <a:endParaRPr lang="en-US" sz="4800" dirty="0"/>
           </a:p>
@@ -4720,7 +5800,7 @@
                   <a:srgbClr val="404040"/>
                 </a:solidFill>
               </a:rPr>
-              <a:t>のうやく</a:t>
+              <a:t>ささえる</a:t>
             </a:r>
             <a:endParaRPr lang="en-US" sz="3600" dirty="0"/>
           </a:p>
@@ -4756,7 +5836,7 @@
                   <a:srgbClr val="808080"/>
                 </a:solidFill>
               </a:rPr>
-              <a:t>agricultural chemical (i.e. pesticide, herbicide, fungicide, etc.), agrochemical, agrichemical...</a:t>
+              <a:t>to support, to prop, to sustain, to underlay, to hold up, to defend | to hold at bay, to stem, to check...</a:t>
             </a:r>
             <a:endParaRPr lang="en-US" sz="3600" dirty="0"/>
           </a:p>
@@ -4792,7 +5872,7 @@
                   <a:srgbClr val="808080"/>
                 </a:solidFill>
               </a:rPr>
-              <a:t>67-68</a:t>
+              <a:t>65-66</a:t>
             </a:r>
             <a:endParaRPr lang="en-US" sz="2400" dirty="0"/>
           </a:p>
@@ -4853,7 +5933,7 @@
                   <a:srgbClr val="000000"/>
                 </a:solidFill>
               </a:rPr>
-              <a:t>収入印紙</a:t>
+              <a:t>支持</a:t>
             </a:r>
             <a:endParaRPr lang="en-US" sz="4800" dirty="0"/>
           </a:p>
@@ -4901,7 +5981,7 @@
                   <a:srgbClr val="404040"/>
                 </a:solidFill>
               </a:rPr>
-              <a:t>しゅうにゅういんし</a:t>
+              <a:t>しじ</a:t>
             </a:r>
             <a:endParaRPr lang="en-US" sz="3600" dirty="0"/>
           </a:p>
@@ -4937,7 +6017,7 @@
                   <a:srgbClr val="808080"/>
                 </a:solidFill>
               </a:rPr>
-              <a:t>revenue stamp...</a:t>
+              <a:t>support, backing, endorsement, approval | propping up, holding up, support...</a:t>
             </a:r>
             <a:endParaRPr lang="en-US" sz="3600" dirty="0"/>
           </a:p>
@@ -4973,7 +6053,7 @@
                   <a:srgbClr val="808080"/>
                 </a:solidFill>
               </a:rPr>
-              <a:t>67-68</a:t>
+              <a:t>65-66</a:t>
             </a:r>
             <a:endParaRPr lang="en-US" sz="2400" dirty="0"/>
           </a:p>
@@ -5034,7 +6114,7 @@
                   <a:srgbClr val="000000"/>
                 </a:solidFill>
               </a:rPr>
-              <a:t>収穫</a:t>
+              <a:t>反対</a:t>
             </a:r>
             <a:endParaRPr lang="en-US" sz="4800" dirty="0"/>
           </a:p>
@@ -5082,7 +6162,7 @@
                   <a:srgbClr val="404040"/>
                 </a:solidFill>
               </a:rPr>
-              <a:t>しゅうかく</a:t>
+              <a:t>はんたい</a:t>
             </a:r>
             <a:endParaRPr lang="en-US" sz="3600" dirty="0"/>
           </a:p>
@@ -5118,7 +6198,7 @@
                   <a:srgbClr val="808080"/>
                 </a:solidFill>
               </a:rPr>
-              <a:t>harvest, crop, ingathering | fruits (of one's labors), gain, result, returns...</a:t>
+              <a:t>opposition, resistance, antagonism, hostility, objection, dissent | reverse, opposite, inverse, contrary...</a:t>
             </a:r>
             <a:endParaRPr lang="en-US" sz="3600" dirty="0"/>
           </a:p>
@@ -5154,7 +6234,7 @@
                   <a:srgbClr val="808080"/>
                 </a:solidFill>
               </a:rPr>
-              <a:t>67-68</a:t>
+              <a:t>65-66</a:t>
             </a:r>
             <a:endParaRPr lang="en-US" sz="2400" dirty="0"/>
           </a:p>
@@ -5215,7 +6295,7 @@
                   <a:srgbClr val="000000"/>
                 </a:solidFill>
               </a:rPr>
-              <a:t>少量</a:t>
+              <a:t>論文</a:t>
             </a:r>
             <a:endParaRPr lang="en-US" sz="4800" dirty="0"/>
           </a:p>
@@ -5263,7 +6343,7 @@
                   <a:srgbClr val="404040"/>
                 </a:solidFill>
               </a:rPr>
-              <a:t>しょうりょう</a:t>
+              <a:t>ろんぶん</a:t>
             </a:r>
             <a:endParaRPr lang="en-US" sz="3600" dirty="0"/>
           </a:p>
@@ -5299,7 +6379,7 @@
                   <a:srgbClr val="808080"/>
                 </a:solidFill>
               </a:rPr>
-              <a:t>small quantity, small amount | narrowmindedness...</a:t>
+              <a:t>thesis, essay, treatise, paper, article...</a:t>
             </a:r>
             <a:endParaRPr lang="en-US" sz="3600" dirty="0"/>
           </a:p>
@@ -5335,7 +6415,7 @@
                   <a:srgbClr val="808080"/>
                 </a:solidFill>
               </a:rPr>
-              <a:t>67-68</a:t>
+              <a:t>65-66</a:t>
             </a:r>
             <a:endParaRPr lang="en-US" sz="2400" dirty="0"/>
           </a:p>
@@ -5396,7 +6476,7 @@
                   <a:srgbClr val="000000"/>
                 </a:solidFill>
               </a:rPr>
-              <a:t>完全</a:t>
+              <a:t>否定</a:t>
             </a:r>
             <a:endParaRPr lang="en-US" sz="4800" dirty="0"/>
           </a:p>
@@ -5444,7 +6524,7 @@
                   <a:srgbClr val="404040"/>
                 </a:solidFill>
               </a:rPr>
-              <a:t>かんぜん</a:t>
+              <a:t>ひてい</a:t>
             </a:r>
             <a:endParaRPr lang="en-US" sz="3600" dirty="0"/>
           </a:p>
@@ -5480,7 +6560,7 @@
                   <a:srgbClr val="808080"/>
                 </a:solidFill>
               </a:rPr>
-              <a:t>perfect, complete...</a:t>
+              <a:t>denial, negation, repudiation, disavowal | negation | NOT operation...</a:t>
             </a:r>
             <a:endParaRPr lang="en-US" sz="3600" dirty="0"/>
           </a:p>
@@ -5516,7 +6596,7 @@
                   <a:srgbClr val="808080"/>
                 </a:solidFill>
               </a:rPr>
-              <a:t>67-68</a:t>
+              <a:t>65-66</a:t>
             </a:r>
             <a:endParaRPr lang="en-US" sz="2400" dirty="0"/>
           </a:p>
@@ -5577,7 +6657,7 @@
                   <a:srgbClr val="000000"/>
                 </a:solidFill>
               </a:rPr>
-              <a:t>原因</a:t>
+              <a:t>野菜</a:t>
             </a:r>
             <a:endParaRPr lang="en-US" sz="4800" dirty="0"/>
           </a:p>
@@ -5625,7 +6705,7 @@
                   <a:srgbClr val="404040"/>
                 </a:solidFill>
               </a:rPr>
-              <a:t>げんいん</a:t>
+              <a:t>やさい</a:t>
             </a:r>
             <a:endParaRPr lang="en-US" sz="3600" dirty="0"/>
           </a:p>
@@ -5661,7 +6741,7 @@
                   <a:srgbClr val="808080"/>
                 </a:solidFill>
               </a:rPr>
-              <a:t>cause, origin, source...</a:t>
+              <a:t>vegetable...</a:t>
             </a:r>
             <a:endParaRPr lang="en-US" sz="3600" dirty="0"/>
           </a:p>
@@ -5697,7 +6777,7 @@
                   <a:srgbClr val="808080"/>
                 </a:solidFill>
               </a:rPr>
-              <a:t>67-68</a:t>
+              <a:t>65-66</a:t>
             </a:r>
             <a:endParaRPr lang="en-US" sz="2400" dirty="0"/>
           </a:p>
@@ -5758,7 +6838,7 @@
                   <a:srgbClr val="000000"/>
                 </a:solidFill>
               </a:rPr>
-              <a:t>一環</a:t>
+              <a:t>穀物</a:t>
             </a:r>
             <a:endParaRPr lang="en-US" sz="4800" dirty="0"/>
           </a:p>
@@ -5806,7 +6886,7 @@
                   <a:srgbClr val="404040"/>
                 </a:solidFill>
               </a:rPr>
-              <a:t>いっかん</a:t>
+              <a:t>こくもつ</a:t>
             </a:r>
             <a:endParaRPr lang="en-US" sz="3600" dirty="0"/>
           </a:p>
@@ -5842,7 +6922,7 @@
                   <a:srgbClr val="808080"/>
                 </a:solidFill>
               </a:rPr>
-              <a:t>link (e.g. in a chain of events), part (of a plan, campaign, activities, etc.) | monocyclic...</a:t>
+              <a:t>grain, cereal, corn...</a:t>
             </a:r>
             <a:endParaRPr lang="en-US" sz="3600" dirty="0"/>
           </a:p>
@@ -5878,7 +6958,7 @@
                   <a:srgbClr val="808080"/>
                 </a:solidFill>
               </a:rPr>
-              <a:t>67-68</a:t>
+              <a:t>65-66</a:t>
             </a:r>
             <a:endParaRPr lang="en-US" sz="2400" dirty="0"/>
           </a:p>
